--- a/assets/Demo_Street_Parking_3_1.pptx
+++ b/assets/Demo_Street_Parking_3_1.pptx
@@ -262,7 +262,7 @@
               <a:pPr>
                 <a:defRPr/>
               </a:pPr>
-              <a:t>9/23/2020</a:t>
+              <a:t>9/27/2020</a:t>
             </a:fld>
             <a:endParaRPr lang="en-US"/>
           </a:p>
@@ -4452,6 +4452,36 @@
 <file path=ppt/slides/slide1.xml><?xml version="1.0" encoding="utf-8"?>
 <p:sld xmlns:a="http://schemas.openxmlformats.org/drawingml/2006/main" xmlns:r="http://schemas.openxmlformats.org/officeDocument/2006/relationships" xmlns:p="http://schemas.openxmlformats.org/presentationml/2006/main">
   <p:cSld>
+    <p:bg>
+      <p:bgPr>
+        <a:gradFill>
+          <a:gsLst>
+            <a:gs pos="0">
+              <a:schemeClr val="bg2">
+                <a:tint val="80000"/>
+                <a:satMod val="400000"/>
+              </a:schemeClr>
+            </a:gs>
+            <a:gs pos="25000">
+              <a:schemeClr val="bg2">
+                <a:tint val="83000"/>
+                <a:satMod val="320000"/>
+              </a:schemeClr>
+            </a:gs>
+            <a:gs pos="100000">
+              <a:schemeClr val="bg2">
+                <a:shade val="15000"/>
+                <a:satMod val="320000"/>
+              </a:schemeClr>
+            </a:gs>
+          </a:gsLst>
+          <a:path path="circle">
+            <a:fillToRect l="10000" t="110000" r="10000" b="100000"/>
+          </a:path>
+        </a:gradFill>
+        <a:effectLst/>
+      </p:bgPr>
+    </p:bg>
     <p:spTree>
       <p:nvGrpSpPr>
         <p:cNvPr id="1" name=""/>
@@ -4533,6 +4563,14 @@
 <file path=ppt/slides/slide10.xml><?xml version="1.0" encoding="utf-8"?>
 <p:sld xmlns:a="http://schemas.openxmlformats.org/drawingml/2006/main" xmlns:r="http://schemas.openxmlformats.org/officeDocument/2006/relationships" xmlns:p="http://schemas.openxmlformats.org/presentationml/2006/main">
   <p:cSld>
+    <p:bg>
+      <p:bgPr>
+        <a:solidFill>
+          <a:schemeClr val="bg1"/>
+        </a:solidFill>
+        <a:effectLst/>
+      </p:bgPr>
+    </p:bg>
     <p:spTree>
       <p:nvGrpSpPr>
         <p:cNvPr id="1" name=""/>
@@ -5238,6 +5276,14 @@
 <file path=ppt/slides/slide11.xml><?xml version="1.0" encoding="utf-8"?>
 <p:sld xmlns:a="http://schemas.openxmlformats.org/drawingml/2006/main" xmlns:r="http://schemas.openxmlformats.org/officeDocument/2006/relationships" xmlns:p="http://schemas.openxmlformats.org/presentationml/2006/main">
   <p:cSld>
+    <p:bg>
+      <p:bgPr>
+        <a:solidFill>
+          <a:schemeClr val="bg1"/>
+        </a:solidFill>
+        <a:effectLst/>
+      </p:bgPr>
+    </p:bg>
     <p:spTree>
       <p:nvGrpSpPr>
         <p:cNvPr id="1" name=""/>
@@ -5969,6 +6015,14 @@
 <file path=ppt/slides/slide12.xml><?xml version="1.0" encoding="utf-8"?>
 <p:sld xmlns:a="http://schemas.openxmlformats.org/drawingml/2006/main" xmlns:r="http://schemas.openxmlformats.org/officeDocument/2006/relationships" xmlns:p="http://schemas.openxmlformats.org/presentationml/2006/main">
   <p:cSld>
+    <p:bg>
+      <p:bgPr>
+        <a:solidFill>
+          <a:schemeClr val="bg1"/>
+        </a:solidFill>
+        <a:effectLst/>
+      </p:bgPr>
+    </p:bg>
     <p:spTree>
       <p:nvGrpSpPr>
         <p:cNvPr id="1" name=""/>
@@ -6657,6 +6711,14 @@
 <file path=ppt/slides/slide2.xml><?xml version="1.0" encoding="utf-8"?>
 <p:sld xmlns:a="http://schemas.openxmlformats.org/drawingml/2006/main" xmlns:r="http://schemas.openxmlformats.org/officeDocument/2006/relationships" xmlns:p="http://schemas.openxmlformats.org/presentationml/2006/main">
   <p:cSld>
+    <p:bg>
+      <p:bgPr>
+        <a:solidFill>
+          <a:schemeClr val="bg1"/>
+        </a:solidFill>
+        <a:effectLst/>
+      </p:bgPr>
+    </p:bg>
     <p:spTree>
       <p:nvGrpSpPr>
         <p:cNvPr id="1" name=""/>
@@ -6774,6 +6836,14 @@
 <file path=ppt/slides/slide3.xml><?xml version="1.0" encoding="utf-8"?>
 <p:sld xmlns:a="http://schemas.openxmlformats.org/drawingml/2006/main" xmlns:r="http://schemas.openxmlformats.org/officeDocument/2006/relationships" xmlns:p="http://schemas.openxmlformats.org/presentationml/2006/main">
   <p:cSld>
+    <p:bg>
+      <p:bgPr>
+        <a:solidFill>
+          <a:schemeClr val="bg1"/>
+        </a:solidFill>
+        <a:effectLst/>
+      </p:bgPr>
+    </p:bg>
     <p:spTree>
       <p:nvGrpSpPr>
         <p:cNvPr id="1" name=""/>
@@ -7060,6 +7130,14 @@
 <file path=ppt/slides/slide4.xml><?xml version="1.0" encoding="utf-8"?>
 <p:sld xmlns:a="http://schemas.openxmlformats.org/drawingml/2006/main" xmlns:r="http://schemas.openxmlformats.org/officeDocument/2006/relationships" xmlns:p="http://schemas.openxmlformats.org/presentationml/2006/main">
   <p:cSld>
+    <p:bg>
+      <p:bgPr>
+        <a:solidFill>
+          <a:schemeClr val="bg1"/>
+        </a:solidFill>
+        <a:effectLst/>
+      </p:bgPr>
+    </p:bg>
     <p:spTree>
       <p:nvGrpSpPr>
         <p:cNvPr id="1" name=""/>
@@ -7747,6 +7825,14 @@
 <file path=ppt/slides/slide5.xml><?xml version="1.0" encoding="utf-8"?>
 <p:sld xmlns:a="http://schemas.openxmlformats.org/drawingml/2006/main" xmlns:r="http://schemas.openxmlformats.org/officeDocument/2006/relationships" xmlns:p="http://schemas.openxmlformats.org/presentationml/2006/main">
   <p:cSld>
+    <p:bg>
+      <p:bgPr>
+        <a:solidFill>
+          <a:schemeClr val="bg1"/>
+        </a:solidFill>
+        <a:effectLst/>
+      </p:bgPr>
+    </p:bg>
     <p:spTree>
       <p:nvGrpSpPr>
         <p:cNvPr id="1" name=""/>
@@ -8805,6 +8891,14 @@
 <file path=ppt/slides/slide6.xml><?xml version="1.0" encoding="utf-8"?>
 <p:sld xmlns:a="http://schemas.openxmlformats.org/drawingml/2006/main" xmlns:r="http://schemas.openxmlformats.org/officeDocument/2006/relationships" xmlns:p="http://schemas.openxmlformats.org/presentationml/2006/main">
   <p:cSld>
+    <p:bg>
+      <p:bgPr>
+        <a:solidFill>
+          <a:schemeClr val="bg1"/>
+        </a:solidFill>
+        <a:effectLst/>
+      </p:bgPr>
+    </p:bg>
     <p:spTree>
       <p:nvGrpSpPr>
         <p:cNvPr id="1" name=""/>
@@ -9238,6 +9332,14 @@
 <file path=ppt/slides/slide7.xml><?xml version="1.0" encoding="utf-8"?>
 <p:sld xmlns:a="http://schemas.openxmlformats.org/drawingml/2006/main" xmlns:r="http://schemas.openxmlformats.org/officeDocument/2006/relationships" xmlns:p="http://schemas.openxmlformats.org/presentationml/2006/main">
   <p:cSld>
+    <p:bg>
+      <p:bgPr>
+        <a:solidFill>
+          <a:schemeClr val="bg1"/>
+        </a:solidFill>
+        <a:effectLst/>
+      </p:bgPr>
+    </p:bg>
     <p:spTree>
       <p:nvGrpSpPr>
         <p:cNvPr id="1" name=""/>
@@ -9956,6 +10058,14 @@
 <file path=ppt/slides/slide8.xml><?xml version="1.0" encoding="utf-8"?>
 <p:sld xmlns:a="http://schemas.openxmlformats.org/drawingml/2006/main" xmlns:r="http://schemas.openxmlformats.org/officeDocument/2006/relationships" xmlns:p="http://schemas.openxmlformats.org/presentationml/2006/main">
   <p:cSld>
+    <p:bg>
+      <p:bgPr>
+        <a:solidFill>
+          <a:schemeClr val="bg1"/>
+        </a:solidFill>
+        <a:effectLst/>
+      </p:bgPr>
+    </p:bg>
     <p:spTree>
       <p:nvGrpSpPr>
         <p:cNvPr id="1" name=""/>
@@ -10073,6 +10183,14 @@
 <file path=ppt/slides/slide9.xml><?xml version="1.0" encoding="utf-8"?>
 <p:sld xmlns:a="http://schemas.openxmlformats.org/drawingml/2006/main" xmlns:r="http://schemas.openxmlformats.org/officeDocument/2006/relationships" xmlns:p="http://schemas.openxmlformats.org/presentationml/2006/main">
   <p:cSld>
+    <p:bg>
+      <p:bgPr>
+        <a:solidFill>
+          <a:schemeClr val="bg1"/>
+        </a:solidFill>
+        <a:effectLst/>
+      </p:bgPr>
+    </p:bg>
     <p:spTree>
       <p:nvGrpSpPr>
         <p:cNvPr id="1" name=""/>
